--- a/Index.html.pptx
+++ b/Index.html.pptx
@@ -288,7 +288,7 @@
           <a:p>
             <a:fld id="{CAB982E8-6306-4ED9-9BE9-BF63FC356FDA}" type="datetimeFigureOut">
               <a:rPr lang="en-GB" smtClean="0"/>
-              <a:t>08/03/2017</a:t>
+              <a:t>22/03/2017</a:t>
             </a:fld>
             <a:endParaRPr lang="en-GB"/>
           </a:p>
@@ -458,7 +458,7 @@
           <a:p>
             <a:fld id="{CAB982E8-6306-4ED9-9BE9-BF63FC356FDA}" type="datetimeFigureOut">
               <a:rPr lang="en-GB" smtClean="0"/>
-              <a:t>08/03/2017</a:t>
+              <a:t>22/03/2017</a:t>
             </a:fld>
             <a:endParaRPr lang="en-GB"/>
           </a:p>
@@ -638,7 +638,7 @@
           <a:p>
             <a:fld id="{CAB982E8-6306-4ED9-9BE9-BF63FC356FDA}" type="datetimeFigureOut">
               <a:rPr lang="en-GB" smtClean="0"/>
-              <a:t>08/03/2017</a:t>
+              <a:t>22/03/2017</a:t>
             </a:fld>
             <a:endParaRPr lang="en-GB"/>
           </a:p>
@@ -808,7 +808,7 @@
           <a:p>
             <a:fld id="{CAB982E8-6306-4ED9-9BE9-BF63FC356FDA}" type="datetimeFigureOut">
               <a:rPr lang="en-GB" smtClean="0"/>
-              <a:t>08/03/2017</a:t>
+              <a:t>22/03/2017</a:t>
             </a:fld>
             <a:endParaRPr lang="en-GB"/>
           </a:p>
@@ -1054,7 +1054,7 @@
           <a:p>
             <a:fld id="{CAB982E8-6306-4ED9-9BE9-BF63FC356FDA}" type="datetimeFigureOut">
               <a:rPr lang="en-GB" smtClean="0"/>
-              <a:t>08/03/2017</a:t>
+              <a:t>22/03/2017</a:t>
             </a:fld>
             <a:endParaRPr lang="en-GB"/>
           </a:p>
@@ -1342,7 +1342,7 @@
           <a:p>
             <a:fld id="{CAB982E8-6306-4ED9-9BE9-BF63FC356FDA}" type="datetimeFigureOut">
               <a:rPr lang="en-GB" smtClean="0"/>
-              <a:t>08/03/2017</a:t>
+              <a:t>22/03/2017</a:t>
             </a:fld>
             <a:endParaRPr lang="en-GB"/>
           </a:p>
@@ -1764,7 +1764,7 @@
           <a:p>
             <a:fld id="{CAB982E8-6306-4ED9-9BE9-BF63FC356FDA}" type="datetimeFigureOut">
               <a:rPr lang="en-GB" smtClean="0"/>
-              <a:t>08/03/2017</a:t>
+              <a:t>22/03/2017</a:t>
             </a:fld>
             <a:endParaRPr lang="en-GB"/>
           </a:p>
@@ -1882,7 +1882,7 @@
           <a:p>
             <a:fld id="{CAB982E8-6306-4ED9-9BE9-BF63FC356FDA}" type="datetimeFigureOut">
               <a:rPr lang="en-GB" smtClean="0"/>
-              <a:t>08/03/2017</a:t>
+              <a:t>22/03/2017</a:t>
             </a:fld>
             <a:endParaRPr lang="en-GB"/>
           </a:p>
@@ -1977,7 +1977,7 @@
           <a:p>
             <a:fld id="{CAB982E8-6306-4ED9-9BE9-BF63FC356FDA}" type="datetimeFigureOut">
               <a:rPr lang="en-GB" smtClean="0"/>
-              <a:t>08/03/2017</a:t>
+              <a:t>22/03/2017</a:t>
             </a:fld>
             <a:endParaRPr lang="en-GB"/>
           </a:p>
@@ -2254,7 +2254,7 @@
           <a:p>
             <a:fld id="{CAB982E8-6306-4ED9-9BE9-BF63FC356FDA}" type="datetimeFigureOut">
               <a:rPr lang="en-GB" smtClean="0"/>
-              <a:t>08/03/2017</a:t>
+              <a:t>22/03/2017</a:t>
             </a:fld>
             <a:endParaRPr lang="en-GB"/>
           </a:p>
@@ -2507,7 +2507,7 @@
           <a:p>
             <a:fld id="{CAB982E8-6306-4ED9-9BE9-BF63FC356FDA}" type="datetimeFigureOut">
               <a:rPr lang="en-GB" smtClean="0"/>
-              <a:t>08/03/2017</a:t>
+              <a:t>22/03/2017</a:t>
             </a:fld>
             <a:endParaRPr lang="en-GB"/>
           </a:p>
@@ -2720,7 +2720,7 @@
           <a:p>
             <a:fld id="{CAB982E8-6306-4ED9-9BE9-BF63FC356FDA}" type="datetimeFigureOut">
               <a:rPr lang="en-GB" smtClean="0"/>
-              <a:t>08/03/2017</a:t>
+              <a:t>22/03/2017</a:t>
             </a:fld>
             <a:endParaRPr lang="en-GB"/>
           </a:p>
@@ -3372,40 +3372,6 @@
             <a:r>
               <a:rPr lang="en-GB" dirty="0" smtClean="0"/>
               <a:t>Coming soon</a:t>
-            </a:r>
-            <a:endParaRPr lang="en-GB" dirty="0"/>
-          </a:p>
-        </p:txBody>
-      </p:sp>
-      <p:sp>
-        <p:nvSpPr>
-          <p:cNvPr id="11" name="TextBox 10"/>
-          <p:cNvSpPr txBox="1"/>
-          <p:nvPr/>
-        </p:nvSpPr>
-        <p:spPr>
-          <a:xfrm>
-            <a:off x="4860032" y="630537"/>
-            <a:ext cx="1224136" cy="369332"/>
-          </a:xfrm>
-          <a:prstGeom prst="rect">
-            <a:avLst/>
-          </a:prstGeom>
-          <a:solidFill>
-            <a:schemeClr val="bg1">
-              <a:lumMod val="65000"/>
-            </a:schemeClr>
-          </a:solidFill>
-        </p:spPr>
-        <p:txBody>
-          <a:bodyPr wrap="square" rtlCol="0">
-            <a:spAutoFit/>
-          </a:bodyPr>
-          <a:lstStyle/>
-          <a:p>
-            <a:r>
-              <a:rPr lang="en-GB" dirty="0" smtClean="0"/>
-              <a:t>Booking</a:t>
             </a:r>
             <a:endParaRPr lang="en-GB" dirty="0"/>
           </a:p>

--- a/Index.html.pptx
+++ b/Index.html.pptx
@@ -288,7 +288,7 @@
           <a:p>
             <a:fld id="{CAB982E8-6306-4ED9-9BE9-BF63FC356FDA}" type="datetimeFigureOut">
               <a:rPr lang="en-GB" smtClean="0"/>
-              <a:t>22/03/2017</a:t>
+              <a:t>23/03/2017</a:t>
             </a:fld>
             <a:endParaRPr lang="en-GB"/>
           </a:p>
@@ -458,7 +458,7 @@
           <a:p>
             <a:fld id="{CAB982E8-6306-4ED9-9BE9-BF63FC356FDA}" type="datetimeFigureOut">
               <a:rPr lang="en-GB" smtClean="0"/>
-              <a:t>22/03/2017</a:t>
+              <a:t>23/03/2017</a:t>
             </a:fld>
             <a:endParaRPr lang="en-GB"/>
           </a:p>
@@ -638,7 +638,7 @@
           <a:p>
             <a:fld id="{CAB982E8-6306-4ED9-9BE9-BF63FC356FDA}" type="datetimeFigureOut">
               <a:rPr lang="en-GB" smtClean="0"/>
-              <a:t>22/03/2017</a:t>
+              <a:t>23/03/2017</a:t>
             </a:fld>
             <a:endParaRPr lang="en-GB"/>
           </a:p>
@@ -808,7 +808,7 @@
           <a:p>
             <a:fld id="{CAB982E8-6306-4ED9-9BE9-BF63FC356FDA}" type="datetimeFigureOut">
               <a:rPr lang="en-GB" smtClean="0"/>
-              <a:t>22/03/2017</a:t>
+              <a:t>23/03/2017</a:t>
             </a:fld>
             <a:endParaRPr lang="en-GB"/>
           </a:p>
@@ -1054,7 +1054,7 @@
           <a:p>
             <a:fld id="{CAB982E8-6306-4ED9-9BE9-BF63FC356FDA}" type="datetimeFigureOut">
               <a:rPr lang="en-GB" smtClean="0"/>
-              <a:t>22/03/2017</a:t>
+              <a:t>23/03/2017</a:t>
             </a:fld>
             <a:endParaRPr lang="en-GB"/>
           </a:p>
@@ -1342,7 +1342,7 @@
           <a:p>
             <a:fld id="{CAB982E8-6306-4ED9-9BE9-BF63FC356FDA}" type="datetimeFigureOut">
               <a:rPr lang="en-GB" smtClean="0"/>
-              <a:t>22/03/2017</a:t>
+              <a:t>23/03/2017</a:t>
             </a:fld>
             <a:endParaRPr lang="en-GB"/>
           </a:p>
@@ -1764,7 +1764,7 @@
           <a:p>
             <a:fld id="{CAB982E8-6306-4ED9-9BE9-BF63FC356FDA}" type="datetimeFigureOut">
               <a:rPr lang="en-GB" smtClean="0"/>
-              <a:t>22/03/2017</a:t>
+              <a:t>23/03/2017</a:t>
             </a:fld>
             <a:endParaRPr lang="en-GB"/>
           </a:p>
@@ -1882,7 +1882,7 @@
           <a:p>
             <a:fld id="{CAB982E8-6306-4ED9-9BE9-BF63FC356FDA}" type="datetimeFigureOut">
               <a:rPr lang="en-GB" smtClean="0"/>
-              <a:t>22/03/2017</a:t>
+              <a:t>23/03/2017</a:t>
             </a:fld>
             <a:endParaRPr lang="en-GB"/>
           </a:p>
@@ -1977,7 +1977,7 @@
           <a:p>
             <a:fld id="{CAB982E8-6306-4ED9-9BE9-BF63FC356FDA}" type="datetimeFigureOut">
               <a:rPr lang="en-GB" smtClean="0"/>
-              <a:t>22/03/2017</a:t>
+              <a:t>23/03/2017</a:t>
             </a:fld>
             <a:endParaRPr lang="en-GB"/>
           </a:p>
@@ -2254,7 +2254,7 @@
           <a:p>
             <a:fld id="{CAB982E8-6306-4ED9-9BE9-BF63FC356FDA}" type="datetimeFigureOut">
               <a:rPr lang="en-GB" smtClean="0"/>
-              <a:t>22/03/2017</a:t>
+              <a:t>23/03/2017</a:t>
             </a:fld>
             <a:endParaRPr lang="en-GB"/>
           </a:p>
@@ -2507,7 +2507,7 @@
           <a:p>
             <a:fld id="{CAB982E8-6306-4ED9-9BE9-BF63FC356FDA}" type="datetimeFigureOut">
               <a:rPr lang="en-GB" smtClean="0"/>
-              <a:t>22/03/2017</a:t>
+              <a:t>23/03/2017</a:t>
             </a:fld>
             <a:endParaRPr lang="en-GB"/>
           </a:p>
@@ -2720,7 +2720,7 @@
           <a:p>
             <a:fld id="{CAB982E8-6306-4ED9-9BE9-BF63FC356FDA}" type="datetimeFigureOut">
               <a:rPr lang="en-GB" smtClean="0"/>
-              <a:t>22/03/2017</a:t>
+              <a:t>23/03/2017</a:t>
             </a:fld>
             <a:endParaRPr lang="en-GB"/>
           </a:p>
@@ -3720,14 +3720,14 @@
       </p:sp>
       <p:sp>
         <p:nvSpPr>
-          <p:cNvPr id="23" name="TextBox 22"/>
+          <p:cNvPr id="25" name="TextBox 24"/>
           <p:cNvSpPr txBox="1"/>
           <p:nvPr/>
         </p:nvSpPr>
         <p:spPr>
           <a:xfrm>
-            <a:off x="3738831" y="2222005"/>
-            <a:ext cx="1368152" cy="369332"/>
+            <a:off x="539552" y="437324"/>
+            <a:ext cx="684076" cy="276999"/>
           </a:xfrm>
           <a:prstGeom prst="rect">
             <a:avLst/>
@@ -3741,29 +3741,33 @@
           <a:lstStyle/>
           <a:p>
             <a:r>
-              <a:rPr lang="en-GB" dirty="0" smtClean="0"/>
-              <a:t>UI-view</a:t>
-            </a:r>
-            <a:endParaRPr lang="en-GB" dirty="0"/>
-          </a:p>
-        </p:txBody>
-      </p:sp>
-      <p:sp>
-        <p:nvSpPr>
-          <p:cNvPr id="24" name="Multiply 23"/>
+              <a:rPr lang="en-GB" sz="1200" dirty="0" smtClean="0"/>
+              <a:t>Logo</a:t>
+            </a:r>
+            <a:endParaRPr lang="en-GB" sz="1200" dirty="0"/>
+          </a:p>
+        </p:txBody>
+      </p:sp>
+      <p:sp>
+        <p:nvSpPr>
+          <p:cNvPr id="26" name="Rectangle 25"/>
           <p:cNvSpPr/>
           <p:nvPr/>
         </p:nvSpPr>
         <p:spPr>
           <a:xfrm>
-            <a:off x="539552" y="856584"/>
-            <a:ext cx="7766711" cy="6143137"/>
-          </a:xfrm>
-          <a:prstGeom prst="mathMultiply">
-            <a:avLst>
-              <a:gd name="adj1" fmla="val 0"/>
-            </a:avLst>
+            <a:off x="5170034" y="2372536"/>
+            <a:ext cx="1688545" cy="2027610"/>
+          </a:xfrm>
+          <a:prstGeom prst="rect">
+            <a:avLst/>
           </a:prstGeom>
+          <a:solidFill>
+            <a:schemeClr val="accent1">
+              <a:lumMod val="40000"/>
+              <a:lumOff val="60000"/>
+            </a:schemeClr>
+          </a:solidFill>
         </p:spPr>
         <p:style>
           <a:lnRef idx="2">
@@ -3792,14 +3796,107 @@
       </p:sp>
       <p:sp>
         <p:nvSpPr>
-          <p:cNvPr id="25" name="TextBox 24"/>
+          <p:cNvPr id="27" name="Rectangle 26"/>
+          <p:cNvSpPr/>
+          <p:nvPr/>
+        </p:nvSpPr>
+        <p:spPr>
+          <a:xfrm>
+            <a:off x="2287567" y="2354570"/>
+            <a:ext cx="1688545" cy="2027610"/>
+          </a:xfrm>
+          <a:prstGeom prst="rect">
+            <a:avLst/>
+          </a:prstGeom>
+          <a:solidFill>
+            <a:schemeClr val="accent1">
+              <a:lumMod val="40000"/>
+              <a:lumOff val="60000"/>
+            </a:schemeClr>
+          </a:solidFill>
+        </p:spPr>
+        <p:style>
+          <a:lnRef idx="2">
+            <a:schemeClr val="accent1">
+              <a:shade val="50000"/>
+            </a:schemeClr>
+          </a:lnRef>
+          <a:fillRef idx="1">
+            <a:schemeClr val="accent1"/>
+          </a:fillRef>
+          <a:effectRef idx="0">
+            <a:schemeClr val="accent1"/>
+          </a:effectRef>
+          <a:fontRef idx="minor">
+            <a:schemeClr val="lt1"/>
+          </a:fontRef>
+        </p:style>
+        <p:txBody>
+          <a:bodyPr rtlCol="0" anchor="ctr"/>
+          <a:lstStyle/>
+          <a:p>
+            <a:pPr algn="ctr"/>
+            <a:endParaRPr lang="en-GB"/>
+          </a:p>
+        </p:txBody>
+      </p:sp>
+      <p:sp>
+        <p:nvSpPr>
+          <p:cNvPr id="2" name="Rectangle 1"/>
+          <p:cNvSpPr/>
+          <p:nvPr/>
+        </p:nvSpPr>
+        <p:spPr>
+          <a:xfrm>
+            <a:off x="3727726" y="2132854"/>
+            <a:ext cx="1688545" cy="2471043"/>
+          </a:xfrm>
+          <a:prstGeom prst="rect">
+            <a:avLst/>
+          </a:prstGeom>
+          <a:effectLst>
+            <a:outerShdw blurRad="50800" dist="38100" dir="2700000" algn="tl" rotWithShape="0">
+              <a:prstClr val="black">
+                <a:alpha val="40000"/>
+              </a:prstClr>
+            </a:outerShdw>
+          </a:effectLst>
+        </p:spPr>
+        <p:style>
+          <a:lnRef idx="2">
+            <a:schemeClr val="accent1">
+              <a:shade val="50000"/>
+            </a:schemeClr>
+          </a:lnRef>
+          <a:fillRef idx="1">
+            <a:schemeClr val="accent1"/>
+          </a:fillRef>
+          <a:effectRef idx="0">
+            <a:schemeClr val="accent1"/>
+          </a:effectRef>
+          <a:fontRef idx="minor">
+            <a:schemeClr val="lt1"/>
+          </a:fontRef>
+        </p:style>
+        <p:txBody>
+          <a:bodyPr rtlCol="0" anchor="ctr"/>
+          <a:lstStyle/>
+          <a:p>
+            <a:pPr algn="ctr"/>
+            <a:endParaRPr lang="en-GB"/>
+          </a:p>
+        </p:txBody>
+      </p:sp>
+      <p:sp>
+        <p:nvSpPr>
+          <p:cNvPr id="3" name="TextBox 2"/>
           <p:cNvSpPr txBox="1"/>
           <p:nvPr/>
         </p:nvSpPr>
         <p:spPr>
           <a:xfrm>
-            <a:off x="539552" y="437324"/>
-            <a:ext cx="684076" cy="276999"/>
+            <a:off x="2261250" y="1693721"/>
+            <a:ext cx="1440160" cy="646331"/>
           </a:xfrm>
           <a:prstGeom prst="rect">
             <a:avLst/>
@@ -3813,10 +3910,80 @@
           <a:lstStyle/>
           <a:p>
             <a:r>
-              <a:rPr lang="en-GB" sz="1200" dirty="0" smtClean="0"/>
-              <a:t>Logo</a:t>
-            </a:r>
-            <a:endParaRPr lang="en-GB" sz="1200" dirty="0"/>
+              <a:rPr lang="en-GB" dirty="0" smtClean="0"/>
+              <a:t>Carousel of current films</a:t>
+            </a:r>
+            <a:endParaRPr lang="en-GB" dirty="0"/>
+          </a:p>
+        </p:txBody>
+      </p:sp>
+      <p:sp>
+        <p:nvSpPr>
+          <p:cNvPr id="5" name="Rectangle 4"/>
+          <p:cNvSpPr/>
+          <p:nvPr/>
+        </p:nvSpPr>
+        <p:spPr>
+          <a:xfrm>
+            <a:off x="881590" y="2492896"/>
+            <a:ext cx="1170130" cy="576064"/>
+          </a:xfrm>
+          <a:prstGeom prst="rect">
+            <a:avLst/>
+          </a:prstGeom>
+        </p:spPr>
+        <p:style>
+          <a:lnRef idx="2">
+            <a:schemeClr val="accent1">
+              <a:shade val="50000"/>
+            </a:schemeClr>
+          </a:lnRef>
+          <a:fillRef idx="1">
+            <a:schemeClr val="accent1"/>
+          </a:fillRef>
+          <a:effectRef idx="0">
+            <a:schemeClr val="accent1"/>
+          </a:effectRef>
+          <a:fontRef idx="minor">
+            <a:schemeClr val="lt1"/>
+          </a:fontRef>
+        </p:style>
+        <p:txBody>
+          <a:bodyPr rtlCol="0" anchor="ctr"/>
+          <a:lstStyle/>
+          <a:p>
+            <a:pPr algn="ctr"/>
+            <a:endParaRPr lang="en-GB"/>
+          </a:p>
+        </p:txBody>
+      </p:sp>
+      <p:sp>
+        <p:nvSpPr>
+          <p:cNvPr id="28" name="TextBox 27"/>
+          <p:cNvSpPr txBox="1"/>
+          <p:nvPr/>
+        </p:nvSpPr>
+        <p:spPr>
+          <a:xfrm>
+            <a:off x="821090" y="1855340"/>
+            <a:ext cx="1302638" cy="646331"/>
+          </a:xfrm>
+          <a:prstGeom prst="rect">
+            <a:avLst/>
+          </a:prstGeom>
+          <a:noFill/>
+        </p:spPr>
+        <p:txBody>
+          <a:bodyPr wrap="square" rtlCol="0">
+            <a:spAutoFit/>
+          </a:bodyPr>
+          <a:lstStyle/>
+          <a:p>
+            <a:r>
+              <a:rPr lang="en-GB" dirty="0" smtClean="0"/>
+              <a:t>Booking Box</a:t>
+            </a:r>
+            <a:endParaRPr lang="en-GB" dirty="0"/>
           </a:p>
         </p:txBody>
       </p:sp>
